--- a/Presentation.pptx
+++ b/Presentation.pptx
@@ -139,6 +139,7 @@
     <p1510:client id="{53C678A9-E7EF-48D1-BD28-E85BA845A041}" v="9972" dt="2022-03-14T05:12:46.588"/>
     <p1510:client id="{5B1C86D2-8F54-417A-B896-420965442BCC}" v="2880" dt="2022-03-11T14:51:32.598"/>
     <p1510:client id="{A6187F2A-9C20-4C8B-9D93-072033FD143C}" v="105" dt="2022-03-11T15:37:49.805"/>
+    <p1510:client id="{C5A88391-FDDF-4C97-92E8-62C331AC4F5F}" v="5" dt="2022-03-14T07:05:04.459"/>
   </p1510:revLst>
 </p1510:revInfo>
 </file>
@@ -358,7 +359,7 @@
           <a:p>
             <a:fld id="{9AB3A824-1A51-4B26-AD58-A6D8E14F6C04}" type="datetimeFigureOut">
               <a:rPr lang="en-US" dirty="0"/>
-              <a:t>3/13/2022</a:t>
+              <a:t>3/14/2022</a:t>
             </a:fld>
             <a:endParaRPr lang="en-US"/>
           </a:p>
@@ -695,7 +696,7 @@
           <a:p>
             <a:fld id="{D857E33E-8B18-4087-B112-809917729534}" type="datetimeFigureOut">
               <a:rPr lang="en-US" dirty="0"/>
-              <a:t>3/13/2022</a:t>
+              <a:t>3/14/2022</a:t>
             </a:fld>
             <a:endParaRPr lang="en-US"/>
           </a:p>
@@ -1000,7 +1001,7 @@
           <a:p>
             <a:fld id="{D3FFE419-2371-464F-8239-3959401C3561}" type="datetimeFigureOut">
               <a:rPr lang="en-US" dirty="0"/>
-              <a:t>3/13/2022</a:t>
+              <a:t>3/14/2022</a:t>
             </a:fld>
             <a:endParaRPr lang="en-US"/>
           </a:p>
@@ -1250,7 +1251,7 @@
           <a:p>
             <a:fld id="{97D162C4-EDD9-4389-A98B-B87ECEA2A816}" type="datetimeFigureOut">
               <a:rPr lang="en-US" dirty="0"/>
-              <a:t>3/13/2022</a:t>
+              <a:t>3/14/2022</a:t>
             </a:fld>
             <a:endParaRPr lang="en-US"/>
           </a:p>
@@ -1661,7 +1662,7 @@
           <a:p>
             <a:fld id="{3E5059C3-6A89-4494-99FF-5A4D6FFD50EB}" type="datetimeFigureOut">
               <a:rPr lang="en-US" dirty="0"/>
-              <a:t>3/13/2022</a:t>
+              <a:t>3/14/2022</a:t>
             </a:fld>
             <a:endParaRPr lang="en-US"/>
           </a:p>
@@ -1977,7 +1978,7 @@
           <a:p>
             <a:fld id="{CA954B2F-12DE-47F5-8894-472B206D2E1E}" type="datetimeFigureOut">
               <a:rPr lang="en-US" dirty="0"/>
-              <a:t>3/13/2022</a:t>
+              <a:t>3/14/2022</a:t>
             </a:fld>
             <a:endParaRPr lang="en-US"/>
           </a:p>
@@ -2523,7 +2524,7 @@
           <a:p>
             <a:fld id="{3F30E46F-7819-4ACF-B48B-48222C2ACC88}" type="datetimeFigureOut">
               <a:rPr lang="en-US" dirty="0"/>
-              <a:t>3/13/2022</a:t>
+              <a:t>3/14/2022</a:t>
             </a:fld>
             <a:endParaRPr lang="en-US"/>
           </a:p>
@@ -2722,7 +2723,7 @@
           <a:p>
             <a:fld id="{1FAF3416-4057-4DAA-829D-4CA07428D088}" type="datetimeFigureOut">
               <a:rPr lang="en-US" dirty="0"/>
-              <a:t>3/13/2022</a:t>
+              <a:t>3/14/2022</a:t>
             </a:fld>
             <a:endParaRPr lang="en-US"/>
           </a:p>
@@ -2940,7 +2941,7 @@
           <a:p>
             <a:fld id="{921D9284-D300-4297-87F7-E791DCC15DB1}" type="datetimeFigureOut">
               <a:rPr lang="en-US" dirty="0"/>
-              <a:t>3/13/2022</a:t>
+              <a:t>3/14/2022</a:t>
             </a:fld>
             <a:endParaRPr lang="en-US"/>
           </a:p>
@@ -3312,7 +3313,7 @@
           <a:p>
             <a:fld id="{37D525BB-DA17-4BA0-B3C8-3AC3ABC827E6}" type="datetimeFigureOut">
               <a:rPr lang="en-US" dirty="0"/>
-              <a:t>3/13/2022</a:t>
+              <a:t>3/14/2022</a:t>
             </a:fld>
             <a:endParaRPr lang="en-US"/>
           </a:p>
@@ -3715,7 +3716,7 @@
           <a:p>
             <a:fld id="{B16C4C9A-3960-41CF-A4E9-2A8FB932454B}" type="datetimeFigureOut">
               <a:rPr lang="en-US" dirty="0"/>
-              <a:t>3/13/2022</a:t>
+              <a:t>3/14/2022</a:t>
             </a:fld>
             <a:endParaRPr lang="en-US"/>
           </a:p>
@@ -4061,7 +4062,7 @@
           <a:p>
             <a:fld id="{3CBC1C18-307B-4F68-A007-B5B542270E8D}" type="datetimeFigureOut">
               <a:rPr lang="en-US" dirty="0"/>
-              <a:t>3/13/2022</a:t>
+              <a:t>3/14/2022</a:t>
             </a:fld>
             <a:endParaRPr lang="en-US"/>
           </a:p>
@@ -12308,7 +12309,7 @@
                 <a:latin typeface="Calibri"/>
                 <a:cs typeface="Arial"/>
               </a:rPr>
-              <a:t> scaling, appropriate </a:t>
+              <a:t> Scaling and appropriate </a:t>
             </a:r>
             <a:r>
               <a:rPr lang="en-GB" sz="1400" dirty="0">
@@ -12316,7 +12317,7 @@
                 <a:ea typeface="Calibri"/>
                 <a:cs typeface="Arial"/>
               </a:rPr>
-              <a:t>All transformations applied are listed in subsequent slides</a:t>
+              <a:t>transformations applied are listed in subsequent slides</a:t>
             </a:r>
             <a:endParaRPr lang="en-GB" sz="1400" dirty="0">
               <a:latin typeface="Calibri"/>
